--- a/doc/omnivoryThory.pptx
+++ b/doc/omnivoryThory.pptx
@@ -10,6 +10,7 @@
     <p:sldId id="256" r:id="rId4"/>
     <p:sldId id="259" r:id="rId5"/>
     <p:sldId id="260" r:id="rId6"/>
+    <p:sldId id="261" r:id="rId7"/>
   </p:sldIdLst>
   <p:sldSz cx="12192000" cy="6858000"/>
   <p:notesSz cx="6858000" cy="9144000"/>
@@ -116,12 +117,20 @@
 </p:presentation>
 </file>
 
+<file path=ppt/revisionInfo.xml><?xml version="1.0" encoding="utf-8"?>
+<p1510:revInfo xmlns:a="http://schemas.openxmlformats.org/drawingml/2006/main" xmlns:r="http://schemas.openxmlformats.org/officeDocument/2006/relationships" xmlns:p1510="http://schemas.microsoft.com/office/powerpoint/2015/10/main">
+  <p1510:revLst>
+    <p1510:client id="{9B48B283-A02A-4447-AE11-5B57826C0BE7}" v="3" dt="2020-05-28T14:45:50.818"/>
+  </p1510:revLst>
+</p1510:revInfo>
+</file>
+
 <file path=ppt/changesInfos/changesInfo1.xml><?xml version="1.0" encoding="utf-8"?>
 <pc:chgInfo xmlns:a="http://schemas.openxmlformats.org/drawingml/2006/main" xmlns:r="http://schemas.openxmlformats.org/officeDocument/2006/relationships" xmlns:ac="http://schemas.microsoft.com/office/drawing/2013/main/command" xmlns:pc="http://schemas.microsoft.com/office/powerpoint/2013/main/command">
   <pc:docChgLst>
     <pc:chgData name="Gabriel Gellner" userId="f8af7a5bd5442d82" providerId="LiveId" clId="{9B48B283-A02A-4447-AE11-5B57826C0BE7}"/>
-    <pc:docChg chg="modSld">
-      <pc:chgData name="Gabriel Gellner" userId="f8af7a5bd5442d82" providerId="LiveId" clId="{9B48B283-A02A-4447-AE11-5B57826C0BE7}" dt="2020-05-28T11:54:11.700" v="2" actId="20577"/>
+    <pc:docChg chg="custSel addSld modSld sldOrd">
+      <pc:chgData name="Gabriel Gellner" userId="f8af7a5bd5442d82" providerId="LiveId" clId="{9B48B283-A02A-4447-AE11-5B57826C0BE7}" dt="2020-05-28T14:48:20.011" v="306" actId="20577"/>
       <pc:docMkLst>
         <pc:docMk/>
       </pc:docMkLst>
@@ -147,6 +156,92 @@
             <ac:spMk id="14" creationId="{BD854D83-CEAE-432F-9903-597D9A0437AF}"/>
           </ac:spMkLst>
         </pc:spChg>
+      </pc:sldChg>
+      <pc:sldChg chg="modSp mod">
+        <pc:chgData name="Gabriel Gellner" userId="f8af7a5bd5442d82" providerId="LiveId" clId="{9B48B283-A02A-4447-AE11-5B57826C0BE7}" dt="2020-05-28T14:23:08.005" v="4" actId="20577"/>
+        <pc:sldMkLst>
+          <pc:docMk/>
+          <pc:sldMk cId="2359010105" sldId="257"/>
+        </pc:sldMkLst>
+        <pc:spChg chg="mod">
+          <ac:chgData name="Gabriel Gellner" userId="f8af7a5bd5442d82" providerId="LiveId" clId="{9B48B283-A02A-4447-AE11-5B57826C0BE7}" dt="2020-05-28T14:23:08.005" v="4" actId="20577"/>
+          <ac:spMkLst>
+            <pc:docMk/>
+            <pc:sldMk cId="2359010105" sldId="257"/>
+            <ac:spMk id="10" creationId="{A21CDD3F-9209-46C9-837D-99078C6BD86A}"/>
+          </ac:spMkLst>
+        </pc:spChg>
+      </pc:sldChg>
+      <pc:sldChg chg="addSp delSp modSp new mod ord">
+        <pc:chgData name="Gabriel Gellner" userId="f8af7a5bd5442d82" providerId="LiveId" clId="{9B48B283-A02A-4447-AE11-5B57826C0BE7}" dt="2020-05-28T14:48:20.011" v="306" actId="20577"/>
+        <pc:sldMkLst>
+          <pc:docMk/>
+          <pc:sldMk cId="3677417879" sldId="261"/>
+        </pc:sldMkLst>
+        <pc:spChg chg="mod">
+          <ac:chgData name="Gabriel Gellner" userId="f8af7a5bd5442d82" providerId="LiveId" clId="{9B48B283-A02A-4447-AE11-5B57826C0BE7}" dt="2020-05-28T14:43:00.306" v="36" actId="20577"/>
+          <ac:spMkLst>
+            <pc:docMk/>
+            <pc:sldMk cId="3677417879" sldId="261"/>
+            <ac:spMk id="2" creationId="{5AD15901-E396-48D1-B768-B1A3E1DC0431}"/>
+          </ac:spMkLst>
+        </pc:spChg>
+        <pc:spChg chg="del">
+          <ac:chgData name="Gabriel Gellner" userId="f8af7a5bd5442d82" providerId="LiveId" clId="{9B48B283-A02A-4447-AE11-5B57826C0BE7}" dt="2020-05-28T14:43:03.887" v="37" actId="478"/>
+          <ac:spMkLst>
+            <pc:docMk/>
+            <pc:sldMk cId="3677417879" sldId="261"/>
+            <ac:spMk id="3" creationId="{3D5A7933-68B9-4EC5-86A1-5B3F44CCF621}"/>
+          </ac:spMkLst>
+        </pc:spChg>
+        <pc:spChg chg="add mod">
+          <ac:chgData name="Gabriel Gellner" userId="f8af7a5bd5442d82" providerId="LiveId" clId="{9B48B283-A02A-4447-AE11-5B57826C0BE7}" dt="2020-05-28T14:43:15.694" v="40" actId="1076"/>
+          <ac:spMkLst>
+            <pc:docMk/>
+            <pc:sldMk cId="3677417879" sldId="261"/>
+            <ac:spMk id="4" creationId="{F7F7BFA6-F7F5-4ACF-9CE1-3729B8596CBE}"/>
+          </ac:spMkLst>
+        </pc:spChg>
+        <pc:spChg chg="add mod">
+          <ac:chgData name="Gabriel Gellner" userId="f8af7a5bd5442d82" providerId="LiveId" clId="{9B48B283-A02A-4447-AE11-5B57826C0BE7}" dt="2020-05-28T14:43:59.062" v="89" actId="1076"/>
+          <ac:spMkLst>
+            <pc:docMk/>
+            <pc:sldMk cId="3677417879" sldId="261"/>
+            <ac:spMk id="8" creationId="{DFFF95D1-0C16-4DF2-9E9F-CA0270AE83F0}"/>
+          </ac:spMkLst>
+        </pc:spChg>
+        <pc:spChg chg="add mod">
+          <ac:chgData name="Gabriel Gellner" userId="f8af7a5bd5442d82" providerId="LiveId" clId="{9B48B283-A02A-4447-AE11-5B57826C0BE7}" dt="2020-05-28T14:44:31.690" v="93" actId="14100"/>
+          <ac:spMkLst>
+            <pc:docMk/>
+            <pc:sldMk cId="3677417879" sldId="261"/>
+            <ac:spMk id="9" creationId="{418FDF5B-2649-4D91-9D66-C02750021487}"/>
+          </ac:spMkLst>
+        </pc:spChg>
+        <pc:spChg chg="add mod">
+          <ac:chgData name="Gabriel Gellner" userId="f8af7a5bd5442d82" providerId="LiveId" clId="{9B48B283-A02A-4447-AE11-5B57826C0BE7}" dt="2020-05-28T14:45:01.422" v="152" actId="1076"/>
+          <ac:spMkLst>
+            <pc:docMk/>
+            <pc:sldMk cId="3677417879" sldId="261"/>
+            <ac:spMk id="10" creationId="{0F4C0260-9852-47B8-8A2E-7FC46D63F639}"/>
+          </ac:spMkLst>
+        </pc:spChg>
+        <pc:spChg chg="add mod">
+          <ac:chgData name="Gabriel Gellner" userId="f8af7a5bd5442d82" providerId="LiveId" clId="{9B48B283-A02A-4447-AE11-5B57826C0BE7}" dt="2020-05-28T14:48:20.011" v="306" actId="20577"/>
+          <ac:spMkLst>
+            <pc:docMk/>
+            <pc:sldMk cId="3677417879" sldId="261"/>
+            <ac:spMk id="11" creationId="{3B3008A8-0C6C-4301-9EDD-C1CA9016CC6A}"/>
+          </ac:spMkLst>
+        </pc:spChg>
+        <pc:cxnChg chg="add mod">
+          <ac:chgData name="Gabriel Gellner" userId="f8af7a5bd5442d82" providerId="LiveId" clId="{9B48B283-A02A-4447-AE11-5B57826C0BE7}" dt="2020-05-28T14:43:32.615" v="42" actId="14100"/>
+          <ac:cxnSpMkLst>
+            <pc:docMk/>
+            <pc:sldMk cId="3677417879" sldId="261"/>
+            <ac:cxnSpMk id="6" creationId="{0958EAB1-FA57-4842-941B-6EAFD1C171DF}"/>
+          </ac:cxnSpMkLst>
+        </pc:cxnChg>
       </pc:sldChg>
     </pc:docChg>
   </pc:docChgLst>
@@ -3758,12 +3853,8 @@
           </a:p>
           <a:p>
             <a:r>
-              <a:rPr lang="en-US" b="1" dirty="0" err="1"/>
-              <a:t>Ooganismal</a:t>
-            </a:r>
-            <a:r>
               <a:rPr lang="en-US" b="1" dirty="0"/>
-              <a:t> behavior P</a:t>
+              <a:t>Organismal behavior P</a:t>
             </a:r>
             <a:endParaRPr lang="en-CA" b="1" dirty="0"/>
           </a:p>
@@ -6155,6 +6246,300 @@
     <p:extLst>
       <p:ext uri="{BB962C8B-B14F-4D97-AF65-F5344CB8AC3E}">
         <p14:creationId xmlns:p14="http://schemas.microsoft.com/office/powerpoint/2010/main" val="3543481420"/>
+      </p:ext>
+    </p:extLst>
+  </p:cSld>
+  <p:clrMapOvr>
+    <a:masterClrMapping/>
+  </p:clrMapOvr>
+</p:sld>
+</file>
+
+<file path=ppt/slides/slide6.xml><?xml version="1.0" encoding="utf-8"?>
+<p:sld xmlns:a="http://schemas.openxmlformats.org/drawingml/2006/main" xmlns:r="http://schemas.openxmlformats.org/officeDocument/2006/relationships" xmlns:p="http://schemas.openxmlformats.org/presentationml/2006/main">
+  <p:cSld>
+    <p:spTree>
+      <p:nvGrpSpPr>
+        <p:cNvPr id="1" name=""/>
+        <p:cNvGrpSpPr/>
+        <p:nvPr/>
+      </p:nvGrpSpPr>
+      <p:grpSpPr>
+        <a:xfrm>
+          <a:off x="0" y="0"/>
+          <a:ext cx="0" cy="0"/>
+          <a:chOff x="0" y="0"/>
+          <a:chExt cx="0" cy="0"/>
+        </a:xfrm>
+      </p:grpSpPr>
+      <p:sp>
+        <p:nvSpPr>
+          <p:cNvPr id="2" name="Title 1">
+            <a:extLst>
+              <a:ext uri="{FF2B5EF4-FFF2-40B4-BE49-F238E27FC236}">
+                <a16:creationId xmlns:a16="http://schemas.microsoft.com/office/drawing/2014/main" id="{5AD15901-E396-48D1-B768-B1A3E1DC0431}"/>
+              </a:ext>
+            </a:extLst>
+          </p:cNvPr>
+          <p:cNvSpPr>
+            <a:spLocks noGrp="1"/>
+          </p:cNvSpPr>
+          <p:nvPr>
+            <p:ph type="title"/>
+          </p:nvPr>
+        </p:nvSpPr>
+        <p:spPr/>
+        <p:txBody>
+          <a:bodyPr/>
+          <a:lstStyle/>
+          <a:p>
+            <a:r>
+              <a:rPr lang="en-US" dirty="0"/>
+              <a:t>Measuring Bottom up vs Top Down</a:t>
+            </a:r>
+          </a:p>
+        </p:txBody>
+      </p:sp>
+      <p:sp>
+        <p:nvSpPr>
+          <p:cNvPr id="4" name="Rectangle 3">
+            <a:extLst>
+              <a:ext uri="{FF2B5EF4-FFF2-40B4-BE49-F238E27FC236}">
+                <a16:creationId xmlns:a16="http://schemas.microsoft.com/office/drawing/2014/main" id="{F7F7BFA6-F7F5-4ACF-9CE1-3729B8596CBE}"/>
+              </a:ext>
+            </a:extLst>
+          </p:cNvPr>
+          <p:cNvSpPr/>
+          <p:nvPr/>
+        </p:nvSpPr>
+        <p:spPr>
+          <a:xfrm>
+            <a:off x="1033153" y="3123210"/>
+            <a:ext cx="2398816" cy="1567543"/>
+          </a:xfrm>
+          <a:prstGeom prst="rect">
+            <a:avLst/>
+          </a:prstGeom>
+        </p:spPr>
+        <p:style>
+          <a:lnRef idx="2">
+            <a:schemeClr val="accent1">
+              <a:shade val="50000"/>
+            </a:schemeClr>
+          </a:lnRef>
+          <a:fillRef idx="1">
+            <a:schemeClr val="accent1"/>
+          </a:fillRef>
+          <a:effectRef idx="0">
+            <a:schemeClr val="accent1"/>
+          </a:effectRef>
+          <a:fontRef idx="minor">
+            <a:schemeClr val="lt1"/>
+          </a:fontRef>
+        </p:style>
+        <p:txBody>
+          <a:bodyPr rtlCol="0" anchor="ctr"/>
+          <a:lstStyle/>
+          <a:p>
+            <a:pPr algn="ctr"/>
+            <a:endParaRPr lang="en-US"/>
+          </a:p>
+        </p:txBody>
+      </p:sp>
+      <p:cxnSp>
+        <p:nvCxnSpPr>
+          <p:cNvPr id="6" name="Straight Arrow Connector 5">
+            <a:extLst>
+              <a:ext uri="{FF2B5EF4-FFF2-40B4-BE49-F238E27FC236}">
+                <a16:creationId xmlns:a16="http://schemas.microsoft.com/office/drawing/2014/main" id="{0958EAB1-FA57-4842-941B-6EAFD1C171DF}"/>
+              </a:ext>
+            </a:extLst>
+          </p:cNvPr>
+          <p:cNvCxnSpPr>
+            <a:cxnSpLocks/>
+          </p:cNvCxnSpPr>
+          <p:nvPr/>
+        </p:nvCxnSpPr>
+        <p:spPr>
+          <a:xfrm flipV="1">
+            <a:off x="1068779" y="4975762"/>
+            <a:ext cx="0" cy="546264"/>
+          </a:xfrm>
+          <a:prstGeom prst="straightConnector1">
+            <a:avLst/>
+          </a:prstGeom>
+          <a:ln>
+            <a:tailEnd type="triangle"/>
+          </a:ln>
+        </p:spPr>
+        <p:style>
+          <a:lnRef idx="1">
+            <a:schemeClr val="accent1"/>
+          </a:lnRef>
+          <a:fillRef idx="0">
+            <a:schemeClr val="accent1"/>
+          </a:fillRef>
+          <a:effectRef idx="0">
+            <a:schemeClr val="accent1"/>
+          </a:effectRef>
+          <a:fontRef idx="minor">
+            <a:schemeClr val="tx1"/>
+          </a:fontRef>
+        </p:style>
+      </p:cxnSp>
+      <p:sp>
+        <p:nvSpPr>
+          <p:cNvPr id="8" name="TextBox 7">
+            <a:extLst>
+              <a:ext uri="{FF2B5EF4-FFF2-40B4-BE49-F238E27FC236}">
+                <a16:creationId xmlns:a16="http://schemas.microsoft.com/office/drawing/2014/main" id="{DFFF95D1-0C16-4DF2-9E9F-CA0270AE83F0}"/>
+              </a:ext>
+            </a:extLst>
+          </p:cNvPr>
+          <p:cNvSpPr txBox="1"/>
+          <p:nvPr/>
+        </p:nvSpPr>
+        <p:spPr>
+          <a:xfrm>
+            <a:off x="136566" y="5569545"/>
+            <a:ext cx="1864426" cy="923330"/>
+          </a:xfrm>
+          <a:prstGeom prst="rect">
+            <a:avLst/>
+          </a:prstGeom>
+          <a:noFill/>
+        </p:spPr>
+        <p:txBody>
+          <a:bodyPr wrap="square" rtlCol="0">
+            <a:spAutoFit/>
+          </a:bodyPr>
+          <a:lstStyle/>
+          <a:p>
+            <a:r>
+              <a:rPr lang="en-US" dirty="0"/>
+              <a:t>Omnivory change exactly at the perturbation</a:t>
+            </a:r>
+          </a:p>
+        </p:txBody>
+      </p:sp>
+      <p:sp>
+        <p:nvSpPr>
+          <p:cNvPr id="9" name="Left Brace 8">
+            <a:extLst>
+              <a:ext uri="{FF2B5EF4-FFF2-40B4-BE49-F238E27FC236}">
+                <a16:creationId xmlns:a16="http://schemas.microsoft.com/office/drawing/2014/main" id="{418FDF5B-2649-4D91-9D66-C02750021487}"/>
+              </a:ext>
+            </a:extLst>
+          </p:cNvPr>
+          <p:cNvSpPr/>
+          <p:nvPr/>
+        </p:nvSpPr>
+        <p:spPr>
+          <a:xfrm rot="5400000">
+            <a:off x="2071484" y="1531149"/>
+            <a:ext cx="322152" cy="2398815"/>
+          </a:xfrm>
+          <a:prstGeom prst="leftBrace">
+            <a:avLst/>
+          </a:prstGeom>
+        </p:spPr>
+        <p:style>
+          <a:lnRef idx="1">
+            <a:schemeClr val="accent1"/>
+          </a:lnRef>
+          <a:fillRef idx="0">
+            <a:schemeClr val="accent1"/>
+          </a:fillRef>
+          <a:effectRef idx="0">
+            <a:schemeClr val="accent1"/>
+          </a:effectRef>
+          <a:fontRef idx="minor">
+            <a:schemeClr val="tx1"/>
+          </a:fontRef>
+        </p:style>
+        <p:txBody>
+          <a:bodyPr rtlCol="0" anchor="ctr"/>
+          <a:lstStyle/>
+          <a:p>
+            <a:pPr algn="ctr"/>
+            <a:endParaRPr lang="en-US"/>
+          </a:p>
+        </p:txBody>
+      </p:sp>
+      <p:sp>
+        <p:nvSpPr>
+          <p:cNvPr id="10" name="TextBox 9">
+            <a:extLst>
+              <a:ext uri="{FF2B5EF4-FFF2-40B4-BE49-F238E27FC236}">
+                <a16:creationId xmlns:a16="http://schemas.microsoft.com/office/drawing/2014/main" id="{0F4C0260-9852-47B8-8A2E-7FC46D63F639}"/>
+              </a:ext>
+            </a:extLst>
+          </p:cNvPr>
+          <p:cNvSpPr txBox="1"/>
+          <p:nvPr/>
+        </p:nvSpPr>
+        <p:spPr>
+          <a:xfrm>
+            <a:off x="1033152" y="1644649"/>
+            <a:ext cx="2683823" cy="923330"/>
+          </a:xfrm>
+          <a:prstGeom prst="rect">
+            <a:avLst/>
+          </a:prstGeom>
+          <a:noFill/>
+        </p:spPr>
+        <p:txBody>
+          <a:bodyPr wrap="square" rtlCol="0">
+            <a:spAutoFit/>
+          </a:bodyPr>
+          <a:lstStyle/>
+          <a:p>
+            <a:r>
+              <a:rPr lang="en-US" dirty="0"/>
+              <a:t>Integrated Response is a mix of bottom up and top down</a:t>
+            </a:r>
+          </a:p>
+        </p:txBody>
+      </p:sp>
+      <p:sp>
+        <p:nvSpPr>
+          <p:cNvPr id="11" name="TextBox 10">
+            <a:extLst>
+              <a:ext uri="{FF2B5EF4-FFF2-40B4-BE49-F238E27FC236}">
+                <a16:creationId xmlns:a16="http://schemas.microsoft.com/office/drawing/2014/main" id="{3B3008A8-0C6C-4301-9EDD-C1CA9016CC6A}"/>
+              </a:ext>
+            </a:extLst>
+          </p:cNvPr>
+          <p:cNvSpPr txBox="1"/>
+          <p:nvPr/>
+        </p:nvSpPr>
+        <p:spPr>
+          <a:xfrm>
+            <a:off x="3610100" y="3247338"/>
+            <a:ext cx="3443844" cy="1200329"/>
+          </a:xfrm>
+          <a:prstGeom prst="rect">
+            <a:avLst/>
+          </a:prstGeom>
+          <a:noFill/>
+        </p:spPr>
+        <p:txBody>
+          <a:bodyPr wrap="square" rtlCol="0">
+            <a:spAutoFit/>
+          </a:bodyPr>
+          <a:lstStyle/>
+          <a:p>
+            <a:r>
+              <a:rPr lang="en-US" dirty="0"/>
+              <a:t>Would a moving window over the degree of omnivory pick up the instantons vs as the chain responds and leads to cascades?</a:t>
+            </a:r>
+          </a:p>
+        </p:txBody>
+      </p:sp>
+    </p:spTree>
+    <p:extLst>
+      <p:ext uri="{BB962C8B-B14F-4D97-AF65-F5344CB8AC3E}">
+        <p14:creationId xmlns:p14="http://schemas.microsoft.com/office/powerpoint/2010/main" val="3677417879"/>
       </p:ext>
     </p:extLst>
   </p:cSld>
